--- a/TP Final.pptx
+++ b/TP Final.pptx
@@ -11,6 +11,11 @@
     <p:sldId id="259" r:id="rId5"/>
     <p:sldId id="260" r:id="rId6"/>
     <p:sldId id="261" r:id="rId7"/>
+    <p:sldId id="262" r:id="rId8"/>
+    <p:sldId id="263" r:id="rId9"/>
+    <p:sldId id="264" r:id="rId10"/>
+    <p:sldId id="265" r:id="rId11"/>
+    <p:sldId id="266" r:id="rId12"/>
   </p:sldIdLst>
   <p:sldSz cx="12192000" cy="6858000"/>
   <p:notesSz cx="6858000" cy="9144000"/>
@@ -110,6 +115,12 @@
     </a:lvl9pPr>
   </p:defaultTextStyle>
 </p:presentation>
+</file>
+
+<file path=ppt/authors.xml><?xml version="1.0" encoding="utf-8"?>
+<p188:authorLst xmlns:a="http://schemas.openxmlformats.org/drawingml/2006/main" xmlns:r="http://schemas.openxmlformats.org/officeDocument/2006/relationships" xmlns:p188="http://schemas.microsoft.com/office/powerpoint/2018/8/main">
+  <p188:author id="{F5E9DF28-CAC6-6A72-D7E5-1DC89FDEBF37}" name="Pablo Andres Ruybal" initials="PR" userId="S::pruybal@frsf.utn.edu.ar::8949a143-ec1f-4ac3-b04d-1e5205c756cf" providerId="AD"/>
+</p188:authorLst>
 </file>
 
 <file path=ppt/slideLayouts/slideLayout1.xml><?xml version="1.0" encoding="utf-8"?>
@@ -4041,6 +4052,661 @@
   <p:clrMapOvr>
     <a:masterClrMapping/>
   </p:clrMapOvr>
+</p:sld>
+</file>
+
+<file path=ppt/slides/slide10.xml><?xml version="1.0" encoding="utf-8"?>
+<p:sld xmlns:a="http://schemas.openxmlformats.org/drawingml/2006/main" xmlns:r="http://schemas.openxmlformats.org/officeDocument/2006/relationships" xmlns:p="http://schemas.openxmlformats.org/presentationml/2006/main">
+  <p:cSld>
+    <p:spTree>
+      <p:nvGrpSpPr>
+        <p:cNvPr id="1" name="">
+          <a:extLst>
+            <a:ext uri="{FF2B5EF4-FFF2-40B4-BE49-F238E27FC236}">
+              <a16:creationId xmlns:a16="http://schemas.microsoft.com/office/drawing/2014/main" id="{15EFB2FE-B761-6E54-A2AC-844250010988}"/>
+            </a:ext>
+          </a:extLst>
+        </p:cNvPr>
+        <p:cNvGrpSpPr/>
+        <p:nvPr/>
+      </p:nvGrpSpPr>
+      <p:grpSpPr>
+        <a:xfrm>
+          <a:off x="0" y="0"/>
+          <a:ext cx="0" cy="0"/>
+          <a:chOff x="0" y="0"/>
+          <a:chExt cx="0" cy="0"/>
+        </a:xfrm>
+      </p:grpSpPr>
+      <p:sp>
+        <p:nvSpPr>
+          <p:cNvPr id="2" name="Título 1">
+            <a:extLst>
+              <a:ext uri="{FF2B5EF4-FFF2-40B4-BE49-F238E27FC236}">
+                <a16:creationId xmlns:a16="http://schemas.microsoft.com/office/drawing/2014/main" id="{84392D7C-F4A2-7CD4-34A8-1DF7259ED0C3}"/>
+              </a:ext>
+            </a:extLst>
+          </p:cNvPr>
+          <p:cNvSpPr>
+            <a:spLocks noGrp="1"/>
+          </p:cNvSpPr>
+          <p:nvPr>
+            <p:ph type="title"/>
+          </p:nvPr>
+        </p:nvSpPr>
+        <p:spPr>
+          <a:xfrm>
+            <a:off x="838200" y="365760"/>
+            <a:ext cx="2545080" cy="1325563"/>
+          </a:xfrm>
+        </p:spPr>
+        <p:txBody>
+          <a:bodyPr/>
+          <a:lstStyle/>
+          <a:p>
+            <a:r>
+              <a:rPr lang="es-MX" dirty="0"/>
+              <a:t>Etapa 2</a:t>
+            </a:r>
+            <a:endParaRPr lang="es-AR" dirty="0"/>
+          </a:p>
+        </p:txBody>
+      </p:sp>
+      <p:sp>
+        <p:nvSpPr>
+          <p:cNvPr id="10" name="CuadroTexto 9">
+            <a:extLst>
+              <a:ext uri="{FF2B5EF4-FFF2-40B4-BE49-F238E27FC236}">
+                <a16:creationId xmlns:a16="http://schemas.microsoft.com/office/drawing/2014/main" id="{7AC7388A-604B-CE25-5E03-BD9437A10141}"/>
+              </a:ext>
+            </a:extLst>
+          </p:cNvPr>
+          <p:cNvSpPr txBox="1"/>
+          <p:nvPr/>
+        </p:nvSpPr>
+        <p:spPr>
+          <a:xfrm>
+            <a:off x="6065239" y="1168876"/>
+            <a:ext cx="6126762" cy="369332"/>
+          </a:xfrm>
+          <a:prstGeom prst="rect">
+            <a:avLst/>
+          </a:prstGeom>
+          <a:noFill/>
+        </p:spPr>
+        <p:txBody>
+          <a:bodyPr wrap="square" rtlCol="0">
+            <a:spAutoFit/>
+          </a:bodyPr>
+          <a:lstStyle/>
+          <a:p>
+            <a:pPr algn="ctr"/>
+            <a:r>
+              <a:rPr lang="es-AR" dirty="0">
+                <a:solidFill>
+                  <a:schemeClr val="bg1"/>
+                </a:solidFill>
+              </a:rPr>
+              <a:t>Vendedor.java</a:t>
+            </a:r>
+          </a:p>
+        </p:txBody>
+      </p:sp>
+      <p:pic>
+        <p:nvPicPr>
+          <p:cNvPr id="6" name="Imagen 5">
+            <a:extLst>
+              <a:ext uri="{FF2B5EF4-FFF2-40B4-BE49-F238E27FC236}">
+                <a16:creationId xmlns:a16="http://schemas.microsoft.com/office/drawing/2014/main" id="{524403A1-DFA3-5E7E-9920-DCED00D25EF6}"/>
+              </a:ext>
+            </a:extLst>
+          </p:cNvPr>
+          <p:cNvPicPr>
+            <a:picLocks noChangeAspect="1"/>
+          </p:cNvPicPr>
+          <p:nvPr/>
+        </p:nvPicPr>
+        <p:blipFill>
+          <a:blip r:embed="rId2"/>
+          <a:stretch>
+            <a:fillRect/>
+          </a:stretch>
+        </p:blipFill>
+        <p:spPr>
+          <a:xfrm>
+            <a:off x="121554" y="5319792"/>
+            <a:ext cx="1941758" cy="1461428"/>
+          </a:xfrm>
+          <a:prstGeom prst="rect">
+            <a:avLst/>
+          </a:prstGeom>
+        </p:spPr>
+      </p:pic>
+      <p:pic>
+        <p:nvPicPr>
+          <p:cNvPr id="11" name="Imagen 10">
+            <a:extLst>
+              <a:ext uri="{FF2B5EF4-FFF2-40B4-BE49-F238E27FC236}">
+                <a16:creationId xmlns:a16="http://schemas.microsoft.com/office/drawing/2014/main" id="{8B6441FE-4BA3-F7F6-E362-7CBD411BE941}"/>
+              </a:ext>
+            </a:extLst>
+          </p:cNvPr>
+          <p:cNvPicPr>
+            <a:picLocks noChangeAspect="1"/>
+          </p:cNvPicPr>
+          <p:nvPr/>
+        </p:nvPicPr>
+        <p:blipFill>
+          <a:blip r:embed="rId3"/>
+          <a:stretch>
+            <a:fillRect/>
+          </a:stretch>
+        </p:blipFill>
+        <p:spPr>
+          <a:xfrm>
+            <a:off x="121554" y="1538208"/>
+            <a:ext cx="5839640" cy="3591426"/>
+          </a:xfrm>
+          <a:prstGeom prst="rect">
+            <a:avLst/>
+          </a:prstGeom>
+        </p:spPr>
+      </p:pic>
+      <p:pic>
+        <p:nvPicPr>
+          <p:cNvPr id="8" name="Imagen 7">
+            <a:extLst>
+              <a:ext uri="{FF2B5EF4-FFF2-40B4-BE49-F238E27FC236}">
+                <a16:creationId xmlns:a16="http://schemas.microsoft.com/office/drawing/2014/main" id="{BC489EF2-C7E9-BB22-D8DB-60FF441AF17D}"/>
+              </a:ext>
+            </a:extLst>
+          </p:cNvPr>
+          <p:cNvPicPr>
+            <a:picLocks noChangeAspect="1"/>
+          </p:cNvPicPr>
+          <p:nvPr/>
+        </p:nvPicPr>
+        <p:blipFill>
+          <a:blip r:embed="rId4"/>
+          <a:stretch>
+            <a:fillRect/>
+          </a:stretch>
+        </p:blipFill>
+        <p:spPr>
+          <a:xfrm>
+            <a:off x="6096000" y="1538208"/>
+            <a:ext cx="6097086" cy="1544595"/>
+          </a:xfrm>
+          <a:prstGeom prst="rect">
+            <a:avLst/>
+          </a:prstGeom>
+        </p:spPr>
+      </p:pic>
+      <p:pic>
+        <p:nvPicPr>
+          <p:cNvPr id="12" name="Imagen 11">
+            <a:extLst>
+              <a:ext uri="{FF2B5EF4-FFF2-40B4-BE49-F238E27FC236}">
+                <a16:creationId xmlns:a16="http://schemas.microsoft.com/office/drawing/2014/main" id="{A1F67B9C-3CB4-2FC9-3403-12A7DF343351}"/>
+              </a:ext>
+            </a:extLst>
+          </p:cNvPr>
+          <p:cNvPicPr>
+            <a:picLocks noChangeAspect="1"/>
+          </p:cNvPicPr>
+          <p:nvPr/>
+        </p:nvPicPr>
+        <p:blipFill>
+          <a:blip r:embed="rId5"/>
+          <a:stretch>
+            <a:fillRect/>
+          </a:stretch>
+        </p:blipFill>
+        <p:spPr>
+          <a:xfrm>
+            <a:off x="6094913" y="3082803"/>
+            <a:ext cx="6097087" cy="4723360"/>
+          </a:xfrm>
+          <a:prstGeom prst="rect">
+            <a:avLst/>
+          </a:prstGeom>
+        </p:spPr>
+      </p:pic>
+      <p:pic>
+        <p:nvPicPr>
+          <p:cNvPr id="13" name="Imagen 12">
+            <a:extLst>
+              <a:ext uri="{FF2B5EF4-FFF2-40B4-BE49-F238E27FC236}">
+                <a16:creationId xmlns:a16="http://schemas.microsoft.com/office/drawing/2014/main" id="{C4F7C109-C0AF-29FA-764C-938B5F766DC9}"/>
+              </a:ext>
+            </a:extLst>
+          </p:cNvPr>
+          <p:cNvPicPr>
+            <a:picLocks noChangeAspect="1"/>
+          </p:cNvPicPr>
+          <p:nvPr/>
+        </p:nvPicPr>
+        <p:blipFill>
+          <a:blip r:embed="rId6"/>
+          <a:stretch>
+            <a:fillRect/>
+          </a:stretch>
+        </p:blipFill>
+        <p:spPr>
+          <a:xfrm>
+            <a:off x="6093043" y="2186880"/>
+            <a:ext cx="6098957" cy="1452432"/>
+          </a:xfrm>
+          <a:prstGeom prst="rect">
+            <a:avLst/>
+          </a:prstGeom>
+        </p:spPr>
+      </p:pic>
+    </p:spTree>
+    <p:extLst>
+      <p:ext uri="{BB962C8B-B14F-4D97-AF65-F5344CB8AC3E}">
+        <p14:creationId xmlns:p14="http://schemas.microsoft.com/office/powerpoint/2010/main" val="3616694143"/>
+      </p:ext>
+    </p:extLst>
+  </p:cSld>
+  <p:clrMapOvr>
+    <a:masterClrMapping/>
+  </p:clrMapOvr>
+  <mc:AlternateContent xmlns:mc="http://schemas.openxmlformats.org/markup-compatibility/2006">
+    <mc:Choice xmlns:p14="http://schemas.microsoft.com/office/powerpoint/2010/main" Requires="p14">
+      <p:transition spd="med" p14:dur="700">
+        <p:fade/>
+      </p:transition>
+    </mc:Choice>
+    <mc:Fallback>
+      <p:transition spd="med">
+        <p:fade/>
+      </p:transition>
+    </mc:Fallback>
+  </mc:AlternateContent>
+  <p:timing>
+    <p:tnLst>
+      <p:par>
+        <p:cTn id="1" dur="indefinite" restart="never" nodeType="tmRoot">
+          <p:childTnLst>
+            <p:seq concurrent="1" nextAc="seek">
+              <p:cTn id="2" dur="indefinite" nodeType="mainSeq">
+                <p:childTnLst>
+                  <p:par>
+                    <p:cTn id="3" fill="hold">
+                      <p:stCondLst>
+                        <p:cond delay="indefinite"/>
+                      </p:stCondLst>
+                      <p:childTnLst>
+                        <p:par>
+                          <p:cTn id="4" fill="hold">
+                            <p:stCondLst>
+                              <p:cond delay="0"/>
+                            </p:stCondLst>
+                            <p:childTnLst>
+                              <p:par>
+                                <p:cTn id="5" presetID="42" presetClass="path" presetSubtype="0" accel="50000" decel="50000" fill="hold" nodeType="clickEffect">
+                                  <p:stCondLst>
+                                    <p:cond delay="0"/>
+                                  </p:stCondLst>
+                                  <p:childTnLst>
+                                    <p:animMotion origin="layout" path="M 2.08333E-7 0 L 0.00013 -0.22431 " pathEditMode="relative" rAng="0" ptsTypes="AA">
+                                      <p:cBhvr>
+                                        <p:cTn id="6" dur="2000" fill="hold"/>
+                                        <p:tgtEl>
+                                          <p:spTgt spid="12"/>
+                                        </p:tgtEl>
+                                        <p:attrNameLst>
+                                          <p:attrName>ppt_x</p:attrName>
+                                          <p:attrName>ppt_y</p:attrName>
+                                        </p:attrNameLst>
+                                      </p:cBhvr>
+                                      <p:rCtr x="0" y="-11227"/>
+                                    </p:animMotion>
+                                  </p:childTnLst>
+                                </p:cTn>
+                              </p:par>
+                            </p:childTnLst>
+                          </p:cTn>
+                        </p:par>
+                      </p:childTnLst>
+                    </p:cTn>
+                  </p:par>
+                  <p:par>
+                    <p:cTn id="7" fill="hold">
+                      <p:stCondLst>
+                        <p:cond delay="indefinite"/>
+                      </p:stCondLst>
+                      <p:childTnLst>
+                        <p:par>
+                          <p:cTn id="8" fill="hold">
+                            <p:stCondLst>
+                              <p:cond delay="0"/>
+                            </p:stCondLst>
+                            <p:childTnLst>
+                              <p:par>
+                                <p:cTn id="9" presetID="2" presetClass="entr" presetSubtype="4" fill="hold" nodeType="clickEffect">
+                                  <p:stCondLst>
+                                    <p:cond delay="0"/>
+                                  </p:stCondLst>
+                                  <p:childTnLst>
+                                    <p:set>
+                                      <p:cBhvr>
+                                        <p:cTn id="10" dur="1" fill="hold">
+                                          <p:stCondLst>
+                                            <p:cond delay="0"/>
+                                          </p:stCondLst>
+                                        </p:cTn>
+                                        <p:tgtEl>
+                                          <p:spTgt spid="13"/>
+                                        </p:tgtEl>
+                                        <p:attrNameLst>
+                                          <p:attrName>style.visibility</p:attrName>
+                                        </p:attrNameLst>
+                                      </p:cBhvr>
+                                      <p:to>
+                                        <p:strVal val="visible"/>
+                                      </p:to>
+                                    </p:set>
+                                    <p:anim calcmode="lin" valueType="num">
+                                      <p:cBhvr additive="base">
+                                        <p:cTn id="11" dur="500" fill="hold"/>
+                                        <p:tgtEl>
+                                          <p:spTgt spid="13"/>
+                                        </p:tgtEl>
+                                        <p:attrNameLst>
+                                          <p:attrName>ppt_x</p:attrName>
+                                        </p:attrNameLst>
+                                      </p:cBhvr>
+                                      <p:tavLst>
+                                        <p:tav tm="0">
+                                          <p:val>
+                                            <p:strVal val="#ppt_x"/>
+                                          </p:val>
+                                        </p:tav>
+                                        <p:tav tm="100000">
+                                          <p:val>
+                                            <p:strVal val="#ppt_x"/>
+                                          </p:val>
+                                        </p:tav>
+                                      </p:tavLst>
+                                    </p:anim>
+                                    <p:anim calcmode="lin" valueType="num">
+                                      <p:cBhvr additive="base">
+                                        <p:cTn id="12" dur="500" fill="hold"/>
+                                        <p:tgtEl>
+                                          <p:spTgt spid="13"/>
+                                        </p:tgtEl>
+                                        <p:attrNameLst>
+                                          <p:attrName>ppt_y</p:attrName>
+                                        </p:attrNameLst>
+                                      </p:cBhvr>
+                                      <p:tavLst>
+                                        <p:tav tm="0">
+                                          <p:val>
+                                            <p:strVal val="1+#ppt_h/2"/>
+                                          </p:val>
+                                        </p:tav>
+                                        <p:tav tm="100000">
+                                          <p:val>
+                                            <p:strVal val="#ppt_y"/>
+                                          </p:val>
+                                        </p:tav>
+                                      </p:tavLst>
+                                    </p:anim>
+                                  </p:childTnLst>
+                                </p:cTn>
+                              </p:par>
+                              <p:par>
+                                <p:cTn id="13" presetID="10" presetClass="exit" presetSubtype="0" fill="hold" nodeType="withEffect">
+                                  <p:stCondLst>
+                                    <p:cond delay="0"/>
+                                  </p:stCondLst>
+                                  <p:childTnLst>
+                                    <p:animEffect transition="out" filter="fade">
+                                      <p:cBhvr>
+                                        <p:cTn id="14" dur="500"/>
+                                        <p:tgtEl>
+                                          <p:spTgt spid="12"/>
+                                        </p:tgtEl>
+                                      </p:cBhvr>
+                                    </p:animEffect>
+                                    <p:set>
+                                      <p:cBhvr>
+                                        <p:cTn id="15" dur="1" fill="hold">
+                                          <p:stCondLst>
+                                            <p:cond delay="499"/>
+                                          </p:stCondLst>
+                                        </p:cTn>
+                                        <p:tgtEl>
+                                          <p:spTgt spid="12"/>
+                                        </p:tgtEl>
+                                        <p:attrNameLst>
+                                          <p:attrName>style.visibility</p:attrName>
+                                        </p:attrNameLst>
+                                      </p:cBhvr>
+                                      <p:to>
+                                        <p:strVal val="hidden"/>
+                                      </p:to>
+                                    </p:set>
+                                  </p:childTnLst>
+                                </p:cTn>
+                              </p:par>
+                              <p:par>
+                                <p:cTn id="16" presetID="10" presetClass="exit" presetSubtype="0" fill="hold" nodeType="withEffect">
+                                  <p:stCondLst>
+                                    <p:cond delay="0"/>
+                                  </p:stCondLst>
+                                  <p:childTnLst>
+                                    <p:animEffect transition="out" filter="fade">
+                                      <p:cBhvr>
+                                        <p:cTn id="17" dur="500"/>
+                                        <p:tgtEl>
+                                          <p:spTgt spid="8"/>
+                                        </p:tgtEl>
+                                      </p:cBhvr>
+                                    </p:animEffect>
+                                    <p:set>
+                                      <p:cBhvr>
+                                        <p:cTn id="18" dur="1" fill="hold">
+                                          <p:stCondLst>
+                                            <p:cond delay="499"/>
+                                          </p:stCondLst>
+                                        </p:cTn>
+                                        <p:tgtEl>
+                                          <p:spTgt spid="8"/>
+                                        </p:tgtEl>
+                                        <p:attrNameLst>
+                                          <p:attrName>style.visibility</p:attrName>
+                                        </p:attrNameLst>
+                                      </p:cBhvr>
+                                      <p:to>
+                                        <p:strVal val="hidden"/>
+                                      </p:to>
+                                    </p:set>
+                                  </p:childTnLst>
+                                </p:cTn>
+                              </p:par>
+                            </p:childTnLst>
+                          </p:cTn>
+                        </p:par>
+                      </p:childTnLst>
+                    </p:cTn>
+                  </p:par>
+                </p:childTnLst>
+              </p:cTn>
+              <p:prevCondLst>
+                <p:cond evt="onPrev" delay="0">
+                  <p:tgtEl>
+                    <p:sldTgt/>
+                  </p:tgtEl>
+                </p:cond>
+              </p:prevCondLst>
+              <p:nextCondLst>
+                <p:cond evt="onNext" delay="0">
+                  <p:tgtEl>
+                    <p:sldTgt/>
+                  </p:tgtEl>
+                </p:cond>
+              </p:nextCondLst>
+            </p:seq>
+          </p:childTnLst>
+        </p:cTn>
+      </p:par>
+    </p:tnLst>
+  </p:timing>
+</p:sld>
+</file>
+
+<file path=ppt/slides/slide11.xml><?xml version="1.0" encoding="utf-8"?>
+<p:sld xmlns:a="http://schemas.openxmlformats.org/drawingml/2006/main" xmlns:r="http://schemas.openxmlformats.org/officeDocument/2006/relationships" xmlns:p="http://schemas.openxmlformats.org/presentationml/2006/main">
+  <p:cSld>
+    <p:spTree>
+      <p:nvGrpSpPr>
+        <p:cNvPr id="1" name="">
+          <a:extLst>
+            <a:ext uri="{FF2B5EF4-FFF2-40B4-BE49-F238E27FC236}">
+              <a16:creationId xmlns:a16="http://schemas.microsoft.com/office/drawing/2014/main" id="{072120F6-AC2B-A51D-B98A-96B008EFB052}"/>
+            </a:ext>
+          </a:extLst>
+        </p:cNvPr>
+        <p:cNvGrpSpPr/>
+        <p:nvPr/>
+      </p:nvGrpSpPr>
+      <p:grpSpPr>
+        <a:xfrm>
+          <a:off x="0" y="0"/>
+          <a:ext cx="0" cy="0"/>
+          <a:chOff x="0" y="0"/>
+          <a:chExt cx="0" cy="0"/>
+        </a:xfrm>
+      </p:grpSpPr>
+      <p:sp>
+        <p:nvSpPr>
+          <p:cNvPr id="2" name="Título 1">
+            <a:extLst>
+              <a:ext uri="{FF2B5EF4-FFF2-40B4-BE49-F238E27FC236}">
+                <a16:creationId xmlns:a16="http://schemas.microsoft.com/office/drawing/2014/main" id="{71017AE5-AD31-4DE8-8CF3-91F0FA8A7735}"/>
+              </a:ext>
+            </a:extLst>
+          </p:cNvPr>
+          <p:cNvSpPr>
+            <a:spLocks noGrp="1"/>
+          </p:cNvSpPr>
+          <p:nvPr>
+            <p:ph type="title"/>
+          </p:nvPr>
+        </p:nvSpPr>
+        <p:spPr>
+          <a:xfrm>
+            <a:off x="838200" y="365760"/>
+            <a:ext cx="2545080" cy="1325563"/>
+          </a:xfrm>
+        </p:spPr>
+        <p:txBody>
+          <a:bodyPr/>
+          <a:lstStyle/>
+          <a:p>
+            <a:r>
+              <a:rPr lang="es-MX" dirty="0"/>
+              <a:t>Etapa 3</a:t>
+            </a:r>
+            <a:endParaRPr lang="es-AR" dirty="0"/>
+          </a:p>
+        </p:txBody>
+      </p:sp>
+      <p:sp>
+        <p:nvSpPr>
+          <p:cNvPr id="10" name="CuadroTexto 9">
+            <a:extLst>
+              <a:ext uri="{FF2B5EF4-FFF2-40B4-BE49-F238E27FC236}">
+                <a16:creationId xmlns:a16="http://schemas.microsoft.com/office/drawing/2014/main" id="{A3F557FA-1892-BE5A-FB47-D43B3F3619A3}"/>
+              </a:ext>
+            </a:extLst>
+          </p:cNvPr>
+          <p:cNvSpPr txBox="1"/>
+          <p:nvPr/>
+        </p:nvSpPr>
+        <p:spPr>
+          <a:xfrm>
+            <a:off x="6065239" y="1168876"/>
+            <a:ext cx="6126762" cy="369332"/>
+          </a:xfrm>
+          <a:prstGeom prst="rect">
+            <a:avLst/>
+          </a:prstGeom>
+          <a:noFill/>
+        </p:spPr>
+        <p:txBody>
+          <a:bodyPr wrap="square" rtlCol="0">
+            <a:spAutoFit/>
+          </a:bodyPr>
+          <a:lstStyle/>
+          <a:p>
+            <a:pPr algn="ctr"/>
+            <a:r>
+              <a:rPr lang="es-AR" dirty="0">
+                <a:solidFill>
+                  <a:schemeClr val="bg1"/>
+                </a:solidFill>
+              </a:rPr>
+              <a:t>&lt;completar&gt;.java</a:t>
+            </a:r>
+          </a:p>
+        </p:txBody>
+      </p:sp>
+      <p:pic>
+        <p:nvPicPr>
+          <p:cNvPr id="7" name="Imagen 6">
+            <a:extLst>
+              <a:ext uri="{FF2B5EF4-FFF2-40B4-BE49-F238E27FC236}">
+                <a16:creationId xmlns:a16="http://schemas.microsoft.com/office/drawing/2014/main" id="{687DC936-8B29-CD40-3253-BD7F2ABBAC73}"/>
+              </a:ext>
+            </a:extLst>
+          </p:cNvPr>
+          <p:cNvPicPr>
+            <a:picLocks noChangeAspect="1"/>
+          </p:cNvPicPr>
+          <p:nvPr/>
+        </p:nvPicPr>
+        <p:blipFill>
+          <a:blip r:embed="rId2"/>
+          <a:stretch>
+            <a:fillRect/>
+          </a:stretch>
+        </p:blipFill>
+        <p:spPr>
+          <a:xfrm>
+            <a:off x="121554" y="1538208"/>
+            <a:ext cx="5839639" cy="2551205"/>
+          </a:xfrm>
+          <a:prstGeom prst="rect">
+            <a:avLst/>
+          </a:prstGeom>
+        </p:spPr>
+      </p:pic>
+    </p:spTree>
+    <p:extLst>
+      <p:ext uri="{BB962C8B-B14F-4D97-AF65-F5344CB8AC3E}">
+        <p14:creationId xmlns:p14="http://schemas.microsoft.com/office/powerpoint/2010/main" val="1448809452"/>
+      </p:ext>
+    </p:extLst>
+  </p:cSld>
+  <p:clrMapOvr>
+    <a:masterClrMapping/>
+  </p:clrMapOvr>
+  <mc:AlternateContent xmlns:mc="http://schemas.openxmlformats.org/markup-compatibility/2006">
+    <mc:Choice xmlns:p14="http://schemas.microsoft.com/office/powerpoint/2010/main" Requires="p14">
+      <p:transition spd="med" p14:dur="700">
+        <p:fade/>
+      </p:transition>
+    </mc:Choice>
+    <mc:Fallback>
+      <p:transition spd="med">
+        <p:fade/>
+      </p:transition>
+    </mc:Fallback>
+  </mc:AlternateContent>
 </p:sld>
 </file>
 
@@ -6546,6 +7212,642 @@
 </p:sld>
 </file>
 
+<file path=ppt/slides/slide7.xml><?xml version="1.0" encoding="utf-8"?>
+<p:sld xmlns:a="http://schemas.openxmlformats.org/drawingml/2006/main" xmlns:r="http://schemas.openxmlformats.org/officeDocument/2006/relationships" xmlns:p="http://schemas.openxmlformats.org/presentationml/2006/main">
+  <p:cSld>
+    <p:spTree>
+      <p:nvGrpSpPr>
+        <p:cNvPr id="1" name="">
+          <a:extLst>
+            <a:ext uri="{FF2B5EF4-FFF2-40B4-BE49-F238E27FC236}">
+              <a16:creationId xmlns:a16="http://schemas.microsoft.com/office/drawing/2014/main" id="{93494E7E-4C3E-E1B2-38CA-7A3E1ADC13B4}"/>
+            </a:ext>
+          </a:extLst>
+        </p:cNvPr>
+        <p:cNvGrpSpPr/>
+        <p:nvPr/>
+      </p:nvGrpSpPr>
+      <p:grpSpPr>
+        <a:xfrm>
+          <a:off x="0" y="0"/>
+          <a:ext cx="0" cy="0"/>
+          <a:chOff x="0" y="0"/>
+          <a:chExt cx="0" cy="0"/>
+        </a:xfrm>
+      </p:grpSpPr>
+      <p:sp>
+        <p:nvSpPr>
+          <p:cNvPr id="2" name="Título 1">
+            <a:extLst>
+              <a:ext uri="{FF2B5EF4-FFF2-40B4-BE49-F238E27FC236}">
+                <a16:creationId xmlns:a16="http://schemas.microsoft.com/office/drawing/2014/main" id="{9EBB9B2C-0731-1F96-5F98-D3EDDB24C02B}"/>
+              </a:ext>
+            </a:extLst>
+          </p:cNvPr>
+          <p:cNvSpPr>
+            <a:spLocks noGrp="1"/>
+          </p:cNvSpPr>
+          <p:nvPr>
+            <p:ph type="title"/>
+          </p:nvPr>
+        </p:nvSpPr>
+        <p:spPr>
+          <a:xfrm>
+            <a:off x="838200" y="365760"/>
+            <a:ext cx="2545080" cy="1325563"/>
+          </a:xfrm>
+        </p:spPr>
+        <p:txBody>
+          <a:bodyPr/>
+          <a:lstStyle/>
+          <a:p>
+            <a:r>
+              <a:rPr lang="es-MX" dirty="0"/>
+              <a:t>Etapa 2</a:t>
+            </a:r>
+            <a:endParaRPr lang="es-AR" dirty="0"/>
+          </a:p>
+        </p:txBody>
+      </p:sp>
+      <p:sp>
+        <p:nvSpPr>
+          <p:cNvPr id="10" name="CuadroTexto 9">
+            <a:extLst>
+              <a:ext uri="{FF2B5EF4-FFF2-40B4-BE49-F238E27FC236}">
+                <a16:creationId xmlns:a16="http://schemas.microsoft.com/office/drawing/2014/main" id="{4109B61C-4021-D94F-4218-BB24DE1DF076}"/>
+              </a:ext>
+            </a:extLst>
+          </p:cNvPr>
+          <p:cNvSpPr txBox="1"/>
+          <p:nvPr/>
+        </p:nvSpPr>
+        <p:spPr>
+          <a:xfrm>
+            <a:off x="6065239" y="1168876"/>
+            <a:ext cx="6126762" cy="369332"/>
+          </a:xfrm>
+          <a:prstGeom prst="rect">
+            <a:avLst/>
+          </a:prstGeom>
+          <a:noFill/>
+        </p:spPr>
+        <p:txBody>
+          <a:bodyPr wrap="square" rtlCol="0">
+            <a:spAutoFit/>
+          </a:bodyPr>
+          <a:lstStyle/>
+          <a:p>
+            <a:pPr algn="ctr"/>
+            <a:r>
+              <a:rPr lang="es-AR" dirty="0">
+                <a:solidFill>
+                  <a:schemeClr val="bg1"/>
+                </a:solidFill>
+              </a:rPr>
+              <a:t>Bebida.java</a:t>
+            </a:r>
+          </a:p>
+        </p:txBody>
+      </p:sp>
+      <p:pic>
+        <p:nvPicPr>
+          <p:cNvPr id="6" name="Imagen 5">
+            <a:extLst>
+              <a:ext uri="{FF2B5EF4-FFF2-40B4-BE49-F238E27FC236}">
+                <a16:creationId xmlns:a16="http://schemas.microsoft.com/office/drawing/2014/main" id="{478A3A70-6205-FC00-3343-2174AEFA2B3C}"/>
+              </a:ext>
+            </a:extLst>
+          </p:cNvPr>
+          <p:cNvPicPr>
+            <a:picLocks noChangeAspect="1"/>
+          </p:cNvPicPr>
+          <p:nvPr/>
+        </p:nvPicPr>
+        <p:blipFill>
+          <a:blip r:embed="rId2"/>
+          <a:stretch>
+            <a:fillRect/>
+          </a:stretch>
+        </p:blipFill>
+        <p:spPr>
+          <a:xfrm>
+            <a:off x="121554" y="5319792"/>
+            <a:ext cx="1941758" cy="1461428"/>
+          </a:xfrm>
+          <a:prstGeom prst="rect">
+            <a:avLst/>
+          </a:prstGeom>
+        </p:spPr>
+      </p:pic>
+      <p:pic>
+        <p:nvPicPr>
+          <p:cNvPr id="11" name="Imagen 10">
+            <a:extLst>
+              <a:ext uri="{FF2B5EF4-FFF2-40B4-BE49-F238E27FC236}">
+                <a16:creationId xmlns:a16="http://schemas.microsoft.com/office/drawing/2014/main" id="{85F55DCD-06D3-0F6C-168E-77D29CF8A695}"/>
+              </a:ext>
+            </a:extLst>
+          </p:cNvPr>
+          <p:cNvPicPr>
+            <a:picLocks noChangeAspect="1"/>
+          </p:cNvPicPr>
+          <p:nvPr/>
+        </p:nvPicPr>
+        <p:blipFill>
+          <a:blip r:embed="rId3"/>
+          <a:stretch>
+            <a:fillRect/>
+          </a:stretch>
+        </p:blipFill>
+        <p:spPr>
+          <a:xfrm>
+            <a:off x="121554" y="1538208"/>
+            <a:ext cx="5839640" cy="3591426"/>
+          </a:xfrm>
+          <a:prstGeom prst="rect">
+            <a:avLst/>
+          </a:prstGeom>
+        </p:spPr>
+      </p:pic>
+      <p:pic>
+        <p:nvPicPr>
+          <p:cNvPr id="13" name="Imagen 12">
+            <a:extLst>
+              <a:ext uri="{FF2B5EF4-FFF2-40B4-BE49-F238E27FC236}">
+                <a16:creationId xmlns:a16="http://schemas.microsoft.com/office/drawing/2014/main" id="{8F150FEA-3846-31D0-A32C-FC6A317D3EBA}"/>
+              </a:ext>
+            </a:extLst>
+          </p:cNvPr>
+          <p:cNvPicPr>
+            <a:picLocks noChangeAspect="1"/>
+          </p:cNvPicPr>
+          <p:nvPr/>
+        </p:nvPicPr>
+        <p:blipFill>
+          <a:blip r:embed="rId4"/>
+          <a:stretch>
+            <a:fillRect/>
+          </a:stretch>
+        </p:blipFill>
+        <p:spPr>
+          <a:xfrm>
+            <a:off x="6247441" y="1538208"/>
+            <a:ext cx="5944559" cy="5319792"/>
+          </a:xfrm>
+          <a:prstGeom prst="rect">
+            <a:avLst/>
+          </a:prstGeom>
+        </p:spPr>
+      </p:pic>
+    </p:spTree>
+    <p:extLst>
+      <p:ext uri="{BB962C8B-B14F-4D97-AF65-F5344CB8AC3E}">
+        <p14:creationId xmlns:p14="http://schemas.microsoft.com/office/powerpoint/2010/main" val="25831259"/>
+      </p:ext>
+    </p:extLst>
+  </p:cSld>
+  <p:clrMapOvr>
+    <a:masterClrMapping/>
+  </p:clrMapOvr>
+  <mc:AlternateContent xmlns:mc="http://schemas.openxmlformats.org/markup-compatibility/2006">
+    <mc:Choice xmlns:p14="http://schemas.microsoft.com/office/powerpoint/2010/main" Requires="p14">
+      <p:transition spd="med" p14:dur="700">
+        <p:fade/>
+      </p:transition>
+    </mc:Choice>
+    <mc:Fallback>
+      <p:transition spd="med">
+        <p:fade/>
+      </p:transition>
+    </mc:Fallback>
+  </mc:AlternateContent>
+</p:sld>
+</file>
+
+<file path=ppt/slides/slide8.xml><?xml version="1.0" encoding="utf-8"?>
+<p:sld xmlns:a="http://schemas.openxmlformats.org/drawingml/2006/main" xmlns:r="http://schemas.openxmlformats.org/officeDocument/2006/relationships" xmlns:p="http://schemas.openxmlformats.org/presentationml/2006/main">
+  <p:cSld>
+    <p:spTree>
+      <p:nvGrpSpPr>
+        <p:cNvPr id="1" name="">
+          <a:extLst>
+            <a:ext uri="{FF2B5EF4-FFF2-40B4-BE49-F238E27FC236}">
+              <a16:creationId xmlns:a16="http://schemas.microsoft.com/office/drawing/2014/main" id="{C142C6F2-2AA2-9A21-707E-708929D383A9}"/>
+            </a:ext>
+          </a:extLst>
+        </p:cNvPr>
+        <p:cNvGrpSpPr/>
+        <p:nvPr/>
+      </p:nvGrpSpPr>
+      <p:grpSpPr>
+        <a:xfrm>
+          <a:off x="0" y="0"/>
+          <a:ext cx="0" cy="0"/>
+          <a:chOff x="0" y="0"/>
+          <a:chExt cx="0" cy="0"/>
+        </a:xfrm>
+      </p:grpSpPr>
+      <p:sp>
+        <p:nvSpPr>
+          <p:cNvPr id="2" name="Título 1">
+            <a:extLst>
+              <a:ext uri="{FF2B5EF4-FFF2-40B4-BE49-F238E27FC236}">
+                <a16:creationId xmlns:a16="http://schemas.microsoft.com/office/drawing/2014/main" id="{30371B43-A58F-CF94-A637-DC4FF49C653F}"/>
+              </a:ext>
+            </a:extLst>
+          </p:cNvPr>
+          <p:cNvSpPr>
+            <a:spLocks noGrp="1"/>
+          </p:cNvSpPr>
+          <p:nvPr>
+            <p:ph type="title"/>
+          </p:nvPr>
+        </p:nvSpPr>
+        <p:spPr>
+          <a:xfrm>
+            <a:off x="838200" y="365760"/>
+            <a:ext cx="2545080" cy="1325563"/>
+          </a:xfrm>
+        </p:spPr>
+        <p:txBody>
+          <a:bodyPr/>
+          <a:lstStyle/>
+          <a:p>
+            <a:r>
+              <a:rPr lang="es-MX" dirty="0"/>
+              <a:t>Etapa 2</a:t>
+            </a:r>
+            <a:endParaRPr lang="es-AR" dirty="0"/>
+          </a:p>
+        </p:txBody>
+      </p:sp>
+      <p:sp>
+        <p:nvSpPr>
+          <p:cNvPr id="10" name="CuadroTexto 9">
+            <a:extLst>
+              <a:ext uri="{FF2B5EF4-FFF2-40B4-BE49-F238E27FC236}">
+                <a16:creationId xmlns:a16="http://schemas.microsoft.com/office/drawing/2014/main" id="{6418D4D9-12BF-58E0-E38E-FA22289C66F7}"/>
+              </a:ext>
+            </a:extLst>
+          </p:cNvPr>
+          <p:cNvSpPr txBox="1"/>
+          <p:nvPr/>
+        </p:nvSpPr>
+        <p:spPr>
+          <a:xfrm>
+            <a:off x="6065239" y="1168876"/>
+            <a:ext cx="6126762" cy="369332"/>
+          </a:xfrm>
+          <a:prstGeom prst="rect">
+            <a:avLst/>
+          </a:prstGeom>
+          <a:noFill/>
+        </p:spPr>
+        <p:txBody>
+          <a:bodyPr wrap="square" rtlCol="0">
+            <a:spAutoFit/>
+          </a:bodyPr>
+          <a:lstStyle/>
+          <a:p>
+            <a:pPr algn="ctr"/>
+            <a:r>
+              <a:rPr lang="es-AR" dirty="0">
+                <a:solidFill>
+                  <a:schemeClr val="bg1"/>
+                </a:solidFill>
+              </a:rPr>
+              <a:t>ItemMenu.java</a:t>
+            </a:r>
+          </a:p>
+        </p:txBody>
+      </p:sp>
+      <p:pic>
+        <p:nvPicPr>
+          <p:cNvPr id="6" name="Imagen 5">
+            <a:extLst>
+              <a:ext uri="{FF2B5EF4-FFF2-40B4-BE49-F238E27FC236}">
+                <a16:creationId xmlns:a16="http://schemas.microsoft.com/office/drawing/2014/main" id="{29C8F98F-7529-A25B-48EF-28B242D8DDEE}"/>
+              </a:ext>
+            </a:extLst>
+          </p:cNvPr>
+          <p:cNvPicPr>
+            <a:picLocks noChangeAspect="1"/>
+          </p:cNvPicPr>
+          <p:nvPr/>
+        </p:nvPicPr>
+        <p:blipFill>
+          <a:blip r:embed="rId2"/>
+          <a:stretch>
+            <a:fillRect/>
+          </a:stretch>
+        </p:blipFill>
+        <p:spPr>
+          <a:xfrm>
+            <a:off x="121554" y="5319792"/>
+            <a:ext cx="1941758" cy="1461428"/>
+          </a:xfrm>
+          <a:prstGeom prst="rect">
+            <a:avLst/>
+          </a:prstGeom>
+        </p:spPr>
+      </p:pic>
+      <p:pic>
+        <p:nvPicPr>
+          <p:cNvPr id="11" name="Imagen 10">
+            <a:extLst>
+              <a:ext uri="{FF2B5EF4-FFF2-40B4-BE49-F238E27FC236}">
+                <a16:creationId xmlns:a16="http://schemas.microsoft.com/office/drawing/2014/main" id="{88A96274-4379-0DF3-4AA1-DF59A790A846}"/>
+              </a:ext>
+            </a:extLst>
+          </p:cNvPr>
+          <p:cNvPicPr>
+            <a:picLocks noChangeAspect="1"/>
+          </p:cNvPicPr>
+          <p:nvPr/>
+        </p:nvPicPr>
+        <p:blipFill>
+          <a:blip r:embed="rId3"/>
+          <a:stretch>
+            <a:fillRect/>
+          </a:stretch>
+        </p:blipFill>
+        <p:spPr>
+          <a:xfrm>
+            <a:off x="121554" y="1538208"/>
+            <a:ext cx="5839640" cy="3591426"/>
+          </a:xfrm>
+          <a:prstGeom prst="rect">
+            <a:avLst/>
+          </a:prstGeom>
+        </p:spPr>
+      </p:pic>
+      <p:pic>
+        <p:nvPicPr>
+          <p:cNvPr id="4" name="Imagen 3">
+            <a:extLst>
+              <a:ext uri="{FF2B5EF4-FFF2-40B4-BE49-F238E27FC236}">
+                <a16:creationId xmlns:a16="http://schemas.microsoft.com/office/drawing/2014/main" id="{6037BAC0-893B-C0E6-AEE5-64235D0EB440}"/>
+              </a:ext>
+            </a:extLst>
+          </p:cNvPr>
+          <p:cNvPicPr>
+            <a:picLocks noChangeAspect="1"/>
+          </p:cNvPicPr>
+          <p:nvPr/>
+        </p:nvPicPr>
+        <p:blipFill>
+          <a:blip r:embed="rId4"/>
+          <a:stretch>
+            <a:fillRect/>
+          </a:stretch>
+        </p:blipFill>
+        <p:spPr>
+          <a:xfrm>
+            <a:off x="6128181" y="1538209"/>
+            <a:ext cx="6063819" cy="5319792"/>
+          </a:xfrm>
+          <a:prstGeom prst="rect">
+            <a:avLst/>
+          </a:prstGeom>
+        </p:spPr>
+      </p:pic>
+    </p:spTree>
+    <p:extLst>
+      <p:ext uri="{BB962C8B-B14F-4D97-AF65-F5344CB8AC3E}">
+        <p14:creationId xmlns:p14="http://schemas.microsoft.com/office/powerpoint/2010/main" val="2960623131"/>
+      </p:ext>
+    </p:extLst>
+  </p:cSld>
+  <p:clrMapOvr>
+    <a:masterClrMapping/>
+  </p:clrMapOvr>
+  <mc:AlternateContent xmlns:mc="http://schemas.openxmlformats.org/markup-compatibility/2006">
+    <mc:Choice xmlns:p14="http://schemas.microsoft.com/office/powerpoint/2010/main" Requires="p14">
+      <p:transition spd="med" p14:dur="700">
+        <p:fade/>
+      </p:transition>
+    </mc:Choice>
+    <mc:Fallback>
+      <p:transition spd="med">
+        <p:fade/>
+      </p:transition>
+    </mc:Fallback>
+  </mc:AlternateContent>
+</p:sld>
+</file>
+
+<file path=ppt/slides/slide9.xml><?xml version="1.0" encoding="utf-8"?>
+<p:sld xmlns:a="http://schemas.openxmlformats.org/drawingml/2006/main" xmlns:r="http://schemas.openxmlformats.org/officeDocument/2006/relationships" xmlns:p="http://schemas.openxmlformats.org/presentationml/2006/main">
+  <p:cSld>
+    <p:spTree>
+      <p:nvGrpSpPr>
+        <p:cNvPr id="1" name="">
+          <a:extLst>
+            <a:ext uri="{FF2B5EF4-FFF2-40B4-BE49-F238E27FC236}">
+              <a16:creationId xmlns:a16="http://schemas.microsoft.com/office/drawing/2014/main" id="{9181522E-A043-B6A8-D502-A406516E07EB}"/>
+            </a:ext>
+          </a:extLst>
+        </p:cNvPr>
+        <p:cNvGrpSpPr/>
+        <p:nvPr/>
+      </p:nvGrpSpPr>
+      <p:grpSpPr>
+        <a:xfrm>
+          <a:off x="0" y="0"/>
+          <a:ext cx="0" cy="0"/>
+          <a:chOff x="0" y="0"/>
+          <a:chExt cx="0" cy="0"/>
+        </a:xfrm>
+      </p:grpSpPr>
+      <p:sp>
+        <p:nvSpPr>
+          <p:cNvPr id="2" name="Título 1">
+            <a:extLst>
+              <a:ext uri="{FF2B5EF4-FFF2-40B4-BE49-F238E27FC236}">
+                <a16:creationId xmlns:a16="http://schemas.microsoft.com/office/drawing/2014/main" id="{37138DCA-9ABF-949E-D049-A15E08D4CAFC}"/>
+              </a:ext>
+            </a:extLst>
+          </p:cNvPr>
+          <p:cNvSpPr>
+            <a:spLocks noGrp="1"/>
+          </p:cNvSpPr>
+          <p:nvPr>
+            <p:ph type="title"/>
+          </p:nvPr>
+        </p:nvSpPr>
+        <p:spPr>
+          <a:xfrm>
+            <a:off x="838200" y="365760"/>
+            <a:ext cx="2545080" cy="1325563"/>
+          </a:xfrm>
+        </p:spPr>
+        <p:txBody>
+          <a:bodyPr/>
+          <a:lstStyle/>
+          <a:p>
+            <a:r>
+              <a:rPr lang="es-MX" dirty="0"/>
+              <a:t>Etapa 2</a:t>
+            </a:r>
+            <a:endParaRPr lang="es-AR" dirty="0"/>
+          </a:p>
+        </p:txBody>
+      </p:sp>
+      <p:sp>
+        <p:nvSpPr>
+          <p:cNvPr id="10" name="CuadroTexto 9">
+            <a:extLst>
+              <a:ext uri="{FF2B5EF4-FFF2-40B4-BE49-F238E27FC236}">
+                <a16:creationId xmlns:a16="http://schemas.microsoft.com/office/drawing/2014/main" id="{781DC2FD-0ED0-48AC-7D9E-8C3EC8996794}"/>
+              </a:ext>
+            </a:extLst>
+          </p:cNvPr>
+          <p:cNvSpPr txBox="1"/>
+          <p:nvPr/>
+        </p:nvSpPr>
+        <p:spPr>
+          <a:xfrm>
+            <a:off x="6065239" y="1168876"/>
+            <a:ext cx="6126762" cy="369332"/>
+          </a:xfrm>
+          <a:prstGeom prst="rect">
+            <a:avLst/>
+          </a:prstGeom>
+          <a:noFill/>
+        </p:spPr>
+        <p:txBody>
+          <a:bodyPr wrap="square" rtlCol="0">
+            <a:spAutoFit/>
+          </a:bodyPr>
+          <a:lstStyle/>
+          <a:p>
+            <a:pPr algn="ctr"/>
+            <a:r>
+              <a:rPr lang="es-AR" dirty="0">
+                <a:solidFill>
+                  <a:schemeClr val="bg1"/>
+                </a:solidFill>
+              </a:rPr>
+              <a:t>Plato.java</a:t>
+            </a:r>
+          </a:p>
+        </p:txBody>
+      </p:sp>
+      <p:pic>
+        <p:nvPicPr>
+          <p:cNvPr id="6" name="Imagen 5">
+            <a:extLst>
+              <a:ext uri="{FF2B5EF4-FFF2-40B4-BE49-F238E27FC236}">
+                <a16:creationId xmlns:a16="http://schemas.microsoft.com/office/drawing/2014/main" id="{F0900AB4-CDA5-4C51-78F0-712CC5F501F2}"/>
+              </a:ext>
+            </a:extLst>
+          </p:cNvPr>
+          <p:cNvPicPr>
+            <a:picLocks noChangeAspect="1"/>
+          </p:cNvPicPr>
+          <p:nvPr/>
+        </p:nvPicPr>
+        <p:blipFill>
+          <a:blip r:embed="rId2"/>
+          <a:stretch>
+            <a:fillRect/>
+          </a:stretch>
+        </p:blipFill>
+        <p:spPr>
+          <a:xfrm>
+            <a:off x="121554" y="5319792"/>
+            <a:ext cx="1941758" cy="1461428"/>
+          </a:xfrm>
+          <a:prstGeom prst="rect">
+            <a:avLst/>
+          </a:prstGeom>
+        </p:spPr>
+      </p:pic>
+      <p:pic>
+        <p:nvPicPr>
+          <p:cNvPr id="11" name="Imagen 10">
+            <a:extLst>
+              <a:ext uri="{FF2B5EF4-FFF2-40B4-BE49-F238E27FC236}">
+                <a16:creationId xmlns:a16="http://schemas.microsoft.com/office/drawing/2014/main" id="{C033D354-81EF-B7BE-EE4A-EA34F1603B53}"/>
+              </a:ext>
+            </a:extLst>
+          </p:cNvPr>
+          <p:cNvPicPr>
+            <a:picLocks noChangeAspect="1"/>
+          </p:cNvPicPr>
+          <p:nvPr/>
+        </p:nvPicPr>
+        <p:blipFill>
+          <a:blip r:embed="rId3"/>
+          <a:stretch>
+            <a:fillRect/>
+          </a:stretch>
+        </p:blipFill>
+        <p:spPr>
+          <a:xfrm>
+            <a:off x="121554" y="1538208"/>
+            <a:ext cx="5839640" cy="3591426"/>
+          </a:xfrm>
+          <a:prstGeom prst="rect">
+            <a:avLst/>
+          </a:prstGeom>
+        </p:spPr>
+      </p:pic>
+      <p:pic>
+        <p:nvPicPr>
+          <p:cNvPr id="5" name="Imagen 4">
+            <a:extLst>
+              <a:ext uri="{FF2B5EF4-FFF2-40B4-BE49-F238E27FC236}">
+                <a16:creationId xmlns:a16="http://schemas.microsoft.com/office/drawing/2014/main" id="{D51A914A-B5C9-62B6-0CFF-A53B21EACD08}"/>
+              </a:ext>
+            </a:extLst>
+          </p:cNvPr>
+          <p:cNvPicPr>
+            <a:picLocks noChangeAspect="1"/>
+          </p:cNvPicPr>
+          <p:nvPr/>
+        </p:nvPicPr>
+        <p:blipFill>
+          <a:blip r:embed="rId4"/>
+          <a:stretch>
+            <a:fillRect/>
+          </a:stretch>
+        </p:blipFill>
+        <p:spPr>
+          <a:xfrm>
+            <a:off x="6295776" y="1538208"/>
+            <a:ext cx="5884012" cy="5319792"/>
+          </a:xfrm>
+          <a:prstGeom prst="rect">
+            <a:avLst/>
+          </a:prstGeom>
+        </p:spPr>
+      </p:pic>
+    </p:spTree>
+    <p:extLst>
+      <p:ext uri="{BB962C8B-B14F-4D97-AF65-F5344CB8AC3E}">
+        <p14:creationId xmlns:p14="http://schemas.microsoft.com/office/powerpoint/2010/main" val="916534873"/>
+      </p:ext>
+    </p:extLst>
+  </p:cSld>
+  <p:clrMapOvr>
+    <a:masterClrMapping/>
+  </p:clrMapOvr>
+  <mc:AlternateContent xmlns:mc="http://schemas.openxmlformats.org/markup-compatibility/2006">
+    <mc:Choice xmlns:p14="http://schemas.microsoft.com/office/powerpoint/2010/main" Requires="p14">
+      <p:transition spd="med" p14:dur="700">
+        <p:fade/>
+      </p:transition>
+    </mc:Choice>
+    <mc:Fallback>
+      <p:transition spd="med">
+        <p:fade/>
+      </p:transition>
+    </mc:Fallback>
+  </mc:AlternateContent>
+</p:sld>
+</file>
+
 <file path=ppt/theme/theme1.xml><?xml version="1.0" encoding="utf-8"?>
 <a:theme xmlns:a="http://schemas.openxmlformats.org/drawingml/2006/main" name="BlockprintVTI">
   <a:themeElements>
